--- a/NoSQL/The_Survey_On_TSDB.pptx
+++ b/NoSQL/The_Survey_On_TSDB.pptx
@@ -6,10 +6,10 @@
     <p:sldMasterId id="2147483782" r:id="rId5"/>
   </p:sldMasterIdLst>
   <p:notesMasterIdLst>
-    <p:notesMasterId r:id="rId22"/>
+    <p:notesMasterId r:id="rId23"/>
   </p:notesMasterIdLst>
   <p:handoutMasterIdLst>
-    <p:handoutMasterId r:id="rId23"/>
+    <p:handoutMasterId r:id="rId24"/>
   </p:handoutMasterIdLst>
   <p:sldIdLst>
     <p:sldId id="439" r:id="rId6"/>
@@ -25,9 +25,10 @@
     <p:sldId id="485" r:id="rId16"/>
     <p:sldId id="430" r:id="rId17"/>
     <p:sldId id="482" r:id="rId18"/>
-    <p:sldId id="483" r:id="rId19"/>
-    <p:sldId id="413" r:id="rId20"/>
-    <p:sldId id="265" r:id="rId21"/>
+    <p:sldId id="488" r:id="rId19"/>
+    <p:sldId id="483" r:id="rId20"/>
+    <p:sldId id="413" r:id="rId21"/>
+    <p:sldId id="265" r:id="rId22"/>
   </p:sldIdLst>
   <p:sldSz cx="12195175" cy="6858000"/>
   <p:notesSz cx="6858000" cy="9144000"/>
@@ -723,7 +724,7 @@
             <a:fld id="{7D8C2C35-2B8A-446E-BEC0-FD36716C29AC}" type="slidenum">
               <a:rPr lang="de-DE" smtClean="0"/>
               <a:pPr/>
-              <a:t>16</a:t>
+              <a:t>17</a:t>
             </a:fld>
             <a:endParaRPr lang="de-DE" dirty="0"/>
           </a:p>
@@ -9563,35 +9564,6 @@
           </a:prstGeom>
         </p:spPr>
       </p:pic>
-      <p:pic>
-        <p:nvPicPr>
-          <p:cNvPr id="3" name="图片 2">
-            <a:extLst>
-              <a:ext uri="{FF2B5EF4-FFF2-40B4-BE49-F238E27FC236}">
-                <a16:creationId xmlns:a16="http://schemas.microsoft.com/office/drawing/2014/main" id="{C88E8D7C-3B59-46F0-9D74-C4E001427E16}"/>
-              </a:ext>
-            </a:extLst>
-          </p:cNvPr>
-          <p:cNvPicPr>
-            <a:picLocks noChangeAspect="1"/>
-          </p:cNvPicPr>
-          <p:nvPr/>
-        </p:nvPicPr>
-        <p:blipFill rotWithShape="1">
-          <a:blip r:embed="rId3"/>
-          <a:srcRect t="-1" r="13028" b="793"/>
-          <a:stretch/>
-        </p:blipFill>
-        <p:spPr>
-          <a:xfrm>
-            <a:off x="881120" y="4540138"/>
-            <a:ext cx="4563279" cy="1682150"/>
-          </a:xfrm>
-          <a:prstGeom prst="rect">
-            <a:avLst/>
-          </a:prstGeom>
-        </p:spPr>
-      </p:pic>
       <p:sp>
         <p:nvSpPr>
           <p:cNvPr id="4" name="文本框 3">
@@ -9606,7 +9578,7 @@
         </p:nvSpPr>
         <p:spPr>
           <a:xfrm>
-            <a:off x="760104" y="1111021"/>
+            <a:off x="760103" y="1559257"/>
             <a:ext cx="4684295" cy="3739485"/>
           </a:xfrm>
           <a:prstGeom prst="rect">
@@ -9778,7 +9750,7 @@
           <p:nvPr/>
         </p:nvPicPr>
         <p:blipFill>
-          <a:blip r:embed="rId4"/>
+          <a:blip r:embed="rId3"/>
           <a:stretch>
             <a:fillRect/>
           </a:stretch>
@@ -9833,36 +9805,523 @@
             <p:ph type="title"/>
           </p:nvPr>
         </p:nvSpPr>
-        <p:spPr bwMode="gray">
-          <a:xfrm>
-            <a:off x="504001" y="504000"/>
-            <a:ext cx="11186476" cy="646331"/>
-          </a:xfrm>
-        </p:spPr>
+        <p:spPr bwMode="gray"/>
         <p:txBody>
           <a:bodyPr/>
           <a:lstStyle/>
           <a:p>
             <a:r>
-              <a:rPr lang="en-US" dirty="0"/>
-              <a:t>Grafana</a:t>
-            </a:r>
-            <a:br>
-              <a:rPr lang="en-US" dirty="0"/>
-            </a:br>
-            <a:r>
-              <a:rPr lang="en-US" sz="1800" b="0" dirty="0"/>
-              <a:t>An analytics platform for all metrics</a:t>
+              <a:rPr lang="en-US" altLang="zh-CN" dirty="0" err="1"/>
+              <a:t>PromQL</a:t>
+            </a:r>
+            <a:endParaRPr lang="en-US" dirty="0"/>
+          </a:p>
+        </p:txBody>
+      </p:sp>
+      <p:sp>
+        <p:nvSpPr>
+          <p:cNvPr id="4" name="文本框 3">
+            <a:extLst>
+              <a:ext uri="{FF2B5EF4-FFF2-40B4-BE49-F238E27FC236}">
+                <a16:creationId xmlns:a16="http://schemas.microsoft.com/office/drawing/2014/main" id="{24D3F915-C874-4AE8-8909-722538C0D5C0}"/>
+              </a:ext>
+            </a:extLst>
+          </p:cNvPr>
+          <p:cNvSpPr txBox="1"/>
+          <p:nvPr/>
+        </p:nvSpPr>
+        <p:spPr>
+          <a:xfrm>
+            <a:off x="573742" y="936010"/>
+            <a:ext cx="4950868" cy="2215991"/>
+          </a:xfrm>
+          <a:prstGeom prst="rect">
+            <a:avLst/>
+          </a:prstGeom>
+          <a:noFill/>
+        </p:spPr>
+        <p:txBody>
+          <a:bodyPr wrap="square" lIns="0" tIns="0" rIns="0" bIns="0" rtlCol="0">
+            <a:spAutoFit/>
+          </a:bodyPr>
+          <a:lstStyle/>
+          <a:p>
+            <a:pPr marL="285750" indent="-285750" fontAlgn="base">
+              <a:spcBef>
+                <a:spcPct val="50000"/>
+              </a:spcBef>
+              <a:spcAft>
+                <a:spcPct val="0"/>
+              </a:spcAft>
+              <a:buClr>
+                <a:srgbClr val="F0AB00"/>
+              </a:buClr>
+              <a:buSzPct val="80000"/>
+              <a:buFont typeface="Wingdings" panose="05000000000000000000" pitchFamily="2" charset="2"/>
+              <a:buChar char="n"/>
+            </a:pPr>
+            <a:r>
+              <a:rPr lang="en-US" altLang="zh-CN" sz="1800" kern="0" dirty="0">
+                <a:ea typeface="Arial Unicode MS" pitchFamily="34" charset="-128"/>
+                <a:cs typeface="Arial Unicode MS" pitchFamily="34" charset="-128"/>
+              </a:rPr>
+              <a:t>Prometheus Query Language , is a functional query language, which lets the user select and aggregate time series data in real time</a:t>
+            </a:r>
+          </a:p>
+          <a:p>
+            <a:pPr marL="830138" lvl="1" indent="-285750" fontAlgn="base">
+              <a:spcBef>
+                <a:spcPct val="50000"/>
+              </a:spcBef>
+              <a:spcAft>
+                <a:spcPct val="0"/>
+              </a:spcAft>
+              <a:buClr>
+                <a:srgbClr val="F0AB00"/>
+              </a:buClr>
+              <a:buSzPct val="80000"/>
+              <a:buFont typeface="Wingdings" panose="05000000000000000000" pitchFamily="2" charset="2"/>
+              <a:buChar char="n"/>
+            </a:pPr>
+            <a:r>
+              <a:rPr lang="en-US" altLang="zh-CN" sz="1800" kern="0" dirty="0">
+                <a:ea typeface="Arial Unicode MS" pitchFamily="34" charset="-128"/>
+                <a:cs typeface="Arial Unicode MS" pitchFamily="34" charset="-128"/>
+              </a:rPr>
+              <a:t>The expression has four types”</a:t>
+            </a:r>
+          </a:p>
+          <a:p>
+            <a:pPr marL="1374526" lvl="2" indent="-285750" fontAlgn="base">
+              <a:spcBef>
+                <a:spcPct val="50000"/>
+              </a:spcBef>
+              <a:spcAft>
+                <a:spcPct val="0"/>
+              </a:spcAft>
+              <a:buClr>
+                <a:srgbClr val="F0AB00"/>
+              </a:buClr>
+              <a:buFont typeface="Wingdings" panose="05000000000000000000" pitchFamily="2" charset="2"/>
+              <a:buChar char="n"/>
+            </a:pPr>
+            <a:r>
+              <a:rPr lang="en-US" altLang="zh-CN" sz="1400" kern="0" dirty="0">
+                <a:ea typeface="Arial Unicode MS" pitchFamily="34" charset="-128"/>
+                <a:cs typeface="Arial Unicode MS" pitchFamily="34" charset="-128"/>
+              </a:rPr>
+              <a:t>Instant vector</a:t>
+            </a:r>
+          </a:p>
+          <a:p>
+            <a:pPr marL="1374526" lvl="2" indent="-285750" fontAlgn="base">
+              <a:spcBef>
+                <a:spcPct val="50000"/>
+              </a:spcBef>
+              <a:spcAft>
+                <a:spcPct val="0"/>
+              </a:spcAft>
+              <a:buClr>
+                <a:srgbClr val="F0AB00"/>
+              </a:buClr>
+              <a:buFont typeface="Wingdings" panose="05000000000000000000" pitchFamily="2" charset="2"/>
+              <a:buChar char="n"/>
+            </a:pPr>
+            <a:r>
+              <a:rPr lang="en-US" altLang="zh-CN" sz="1400" kern="0" dirty="0">
+                <a:ea typeface="Arial Unicode MS" pitchFamily="34" charset="-128"/>
+                <a:cs typeface="Arial Unicode MS" pitchFamily="34" charset="-128"/>
+              </a:rPr>
+              <a:t>Range vector</a:t>
+            </a:r>
+          </a:p>
+          <a:p>
+            <a:pPr marL="1374526" lvl="2" indent="-285750" fontAlgn="base">
+              <a:spcBef>
+                <a:spcPct val="50000"/>
+              </a:spcBef>
+              <a:spcAft>
+                <a:spcPct val="0"/>
+              </a:spcAft>
+              <a:buClr>
+                <a:srgbClr val="F0AB00"/>
+              </a:buClr>
+              <a:buFont typeface="Wingdings" panose="05000000000000000000" pitchFamily="2" charset="2"/>
+              <a:buChar char="n"/>
+            </a:pPr>
+            <a:r>
+              <a:rPr lang="en-US" altLang="zh-CN" sz="1400" kern="0" dirty="0">
+                <a:ea typeface="Arial Unicode MS" pitchFamily="34" charset="-128"/>
+                <a:cs typeface="Arial Unicode MS" pitchFamily="34" charset="-128"/>
+              </a:rPr>
+              <a:t>Scalar and String</a:t>
+            </a:r>
+            <a:endParaRPr lang="zh-CN" altLang="en-US" sz="1400" kern="0" dirty="0" err="1">
+              <a:ea typeface="Arial Unicode MS" pitchFamily="34" charset="-128"/>
+              <a:cs typeface="Arial Unicode MS" pitchFamily="34" charset="-128"/>
+            </a:endParaRPr>
+          </a:p>
+        </p:txBody>
+      </p:sp>
+      <p:sp>
+        <p:nvSpPr>
+          <p:cNvPr id="7" name="文本框 6">
+            <a:extLst>
+              <a:ext uri="{FF2B5EF4-FFF2-40B4-BE49-F238E27FC236}">
+                <a16:creationId xmlns:a16="http://schemas.microsoft.com/office/drawing/2014/main" id="{98858A4B-4706-4B88-9B1D-D16D8BB7E0A0}"/>
+              </a:ext>
+            </a:extLst>
+          </p:cNvPr>
+          <p:cNvSpPr txBox="1"/>
+          <p:nvPr/>
+        </p:nvSpPr>
+        <p:spPr>
+          <a:xfrm>
+            <a:off x="573742" y="3491678"/>
+            <a:ext cx="5523498" cy="1338828"/>
+          </a:xfrm>
+          <a:prstGeom prst="rect">
+            <a:avLst/>
+          </a:prstGeom>
+          <a:noFill/>
+        </p:spPr>
+        <p:txBody>
+          <a:bodyPr wrap="square" lIns="0" tIns="0" rIns="0" bIns="0" rtlCol="0">
+            <a:spAutoFit/>
+          </a:bodyPr>
+          <a:lstStyle/>
+          <a:p>
+            <a:pPr marL="285750" indent="-285750" fontAlgn="base">
+              <a:spcBef>
+                <a:spcPct val="50000"/>
+              </a:spcBef>
+              <a:spcAft>
+                <a:spcPct val="0"/>
+              </a:spcAft>
+              <a:buClr>
+                <a:srgbClr val="F0AB00"/>
+              </a:buClr>
+              <a:buSzPct val="80000"/>
+              <a:buFont typeface="Wingdings" panose="05000000000000000000" pitchFamily="2" charset="2"/>
+              <a:buChar char="n"/>
+            </a:pPr>
+            <a:r>
+              <a:rPr lang="en-US" altLang="zh-CN" sz="1800" kern="0" dirty="0">
+                <a:ea typeface="Arial Unicode MS" pitchFamily="34" charset="-128"/>
+                <a:cs typeface="Arial Unicode MS" pitchFamily="34" charset="-128"/>
+              </a:rPr>
+              <a:t>Instant vector Selectors: </a:t>
+            </a:r>
+            <a:r>
+              <a:rPr lang="en-US" altLang="zh-CN" sz="1800" kern="0" dirty="0" err="1">
+                <a:ea typeface="Arial Unicode MS" pitchFamily="34" charset="-128"/>
+                <a:cs typeface="Arial Unicode MS" pitchFamily="34" charset="-128"/>
+              </a:rPr>
+              <a:t>metirc_name</a:t>
+            </a:r>
+            <a:r>
+              <a:rPr lang="en-US" altLang="zh-CN" sz="1800" kern="0" dirty="0">
+                <a:ea typeface="Arial Unicode MS" pitchFamily="34" charset="-128"/>
+                <a:cs typeface="Arial Unicode MS" pitchFamily="34" charset="-128"/>
+              </a:rPr>
+              <a:t>{ tag = value}</a:t>
+            </a:r>
+          </a:p>
+          <a:p>
+            <a:pPr marL="285750" indent="-285750" fontAlgn="base">
+              <a:spcBef>
+                <a:spcPct val="50000"/>
+              </a:spcBef>
+              <a:spcAft>
+                <a:spcPct val="0"/>
+              </a:spcAft>
+              <a:buClr>
+                <a:srgbClr val="F0AB00"/>
+              </a:buClr>
+              <a:buSzPct val="80000"/>
+              <a:buFont typeface="Wingdings" panose="05000000000000000000" pitchFamily="2" charset="2"/>
+              <a:buChar char="n"/>
+            </a:pPr>
+            <a:r>
+              <a:rPr lang="en-US" altLang="zh-CN" sz="1800" kern="0" dirty="0" err="1">
+                <a:ea typeface="Arial Unicode MS" pitchFamily="34" charset="-128"/>
+                <a:cs typeface="Arial Unicode MS" pitchFamily="34" charset="-128"/>
+              </a:rPr>
+              <a:t>E.g</a:t>
+            </a:r>
+            <a:r>
+              <a:rPr lang="en-US" altLang="zh-CN" sz="1800" kern="0" dirty="0">
+                <a:ea typeface="Arial Unicode MS" pitchFamily="34" charset="-128"/>
+                <a:cs typeface="Arial Unicode MS" pitchFamily="34" charset="-128"/>
+              </a:rPr>
+              <a:t>:</a:t>
+            </a:r>
+          </a:p>
+          <a:p>
+            <a:pPr marL="830138" lvl="1" indent="-285750" fontAlgn="base">
+              <a:spcBef>
+                <a:spcPct val="50000"/>
+              </a:spcBef>
+              <a:spcAft>
+                <a:spcPct val="0"/>
+              </a:spcAft>
+              <a:buClr>
+                <a:srgbClr val="F0AB00"/>
+              </a:buClr>
+              <a:buSzPct val="80000"/>
+              <a:buFont typeface="Wingdings" panose="05000000000000000000" pitchFamily="2" charset="2"/>
+              <a:buChar char="n"/>
+            </a:pPr>
+            <a:r>
+              <a:rPr lang="en-US" altLang="zh-CN" sz="1400" kern="0" dirty="0" err="1">
+                <a:ea typeface="Arial Unicode MS" pitchFamily="34" charset="-128"/>
+                <a:cs typeface="Arial Unicode MS" pitchFamily="34" charset="-128"/>
+              </a:rPr>
+              <a:t>http_requests_total</a:t>
+            </a:r>
+            <a:endParaRPr lang="en-US" altLang="zh-CN" sz="1400" kern="0" dirty="0">
+              <a:ea typeface="Arial Unicode MS" pitchFamily="34" charset="-128"/>
+              <a:cs typeface="Arial Unicode MS" pitchFamily="34" charset="-128"/>
+            </a:endParaRPr>
+          </a:p>
+          <a:p>
+            <a:pPr marL="830138" lvl="1" indent="-285750" fontAlgn="base">
+              <a:spcBef>
+                <a:spcPct val="50000"/>
+              </a:spcBef>
+              <a:spcAft>
+                <a:spcPct val="0"/>
+              </a:spcAft>
+              <a:buClr>
+                <a:srgbClr val="F0AB00"/>
+              </a:buClr>
+              <a:buSzPct val="80000"/>
+              <a:buFont typeface="Wingdings" panose="05000000000000000000" pitchFamily="2" charset="2"/>
+              <a:buChar char="n"/>
+            </a:pPr>
+            <a:r>
+              <a:rPr lang="en-US" altLang="zh-CN" sz="1400" kern="0" dirty="0" err="1">
+                <a:ea typeface="Arial Unicode MS" pitchFamily="34" charset="-128"/>
+                <a:cs typeface="Arial Unicode MS" pitchFamily="34" charset="-128"/>
+              </a:rPr>
+              <a:t>http_requests_total</a:t>
+            </a:r>
+            <a:r>
+              <a:rPr lang="en-US" altLang="zh-CN" sz="1400" kern="0" dirty="0">
+                <a:ea typeface="Arial Unicode MS" pitchFamily="34" charset="-128"/>
+                <a:cs typeface="Arial Unicode MS" pitchFamily="34" charset="-128"/>
+              </a:rPr>
+              <a:t>{job=“</a:t>
+            </a:r>
+            <a:r>
+              <a:rPr lang="en-US" altLang="zh-CN" sz="1400" kern="0" dirty="0" err="1">
+                <a:ea typeface="Arial Unicode MS" pitchFamily="34" charset="-128"/>
+                <a:cs typeface="Arial Unicode MS" pitchFamily="34" charset="-128"/>
+              </a:rPr>
+              <a:t>prometheus</a:t>
+            </a:r>
+            <a:r>
+              <a:rPr lang="en-US" altLang="zh-CN" sz="1400" kern="0" dirty="0">
+                <a:ea typeface="Arial Unicode MS" pitchFamily="34" charset="-128"/>
+                <a:cs typeface="Arial Unicode MS" pitchFamily="34" charset="-128"/>
+              </a:rPr>
+              <a:t>”, group=“canary”}</a:t>
+            </a:r>
+            <a:endParaRPr lang="zh-CN" altLang="en-US" sz="1400" kern="0" dirty="0" err="1">
+              <a:ea typeface="Arial Unicode MS" pitchFamily="34" charset="-128"/>
+              <a:cs typeface="Arial Unicode MS" pitchFamily="34" charset="-128"/>
+            </a:endParaRPr>
+          </a:p>
+        </p:txBody>
+      </p:sp>
+      <p:sp>
+        <p:nvSpPr>
+          <p:cNvPr id="9" name="文本框 8">
+            <a:extLst>
+              <a:ext uri="{FF2B5EF4-FFF2-40B4-BE49-F238E27FC236}">
+                <a16:creationId xmlns:a16="http://schemas.microsoft.com/office/drawing/2014/main" id="{795F9840-8CB1-4C4F-A2FB-07AE90EA0F78}"/>
+              </a:ext>
+            </a:extLst>
+          </p:cNvPr>
+          <p:cNvSpPr txBox="1"/>
+          <p:nvPr/>
+        </p:nvSpPr>
+        <p:spPr>
+          <a:xfrm>
+            <a:off x="573741" y="4893184"/>
+            <a:ext cx="5523498" cy="1446550"/>
+          </a:xfrm>
+          <a:prstGeom prst="rect">
+            <a:avLst/>
+          </a:prstGeom>
+          <a:noFill/>
+        </p:spPr>
+        <p:txBody>
+          <a:bodyPr wrap="square" lIns="0" tIns="0" rIns="0" bIns="0" rtlCol="0">
+            <a:spAutoFit/>
+          </a:bodyPr>
+          <a:lstStyle/>
+          <a:p>
+            <a:pPr marL="285750" indent="-285750" fontAlgn="base">
+              <a:spcBef>
+                <a:spcPct val="50000"/>
+              </a:spcBef>
+              <a:spcAft>
+                <a:spcPct val="0"/>
+              </a:spcAft>
+              <a:buClr>
+                <a:srgbClr val="F0AB00"/>
+              </a:buClr>
+              <a:buSzPct val="80000"/>
+              <a:buFont typeface="Wingdings" panose="05000000000000000000" pitchFamily="2" charset="2"/>
+              <a:buChar char="n"/>
+            </a:pPr>
+            <a:r>
+              <a:rPr lang="en-US" altLang="zh-CN" sz="1800" kern="0" dirty="0">
+                <a:ea typeface="Arial Unicode MS" pitchFamily="34" charset="-128"/>
+                <a:cs typeface="Arial Unicode MS" pitchFamily="34" charset="-128"/>
+              </a:rPr>
+              <a:t>Range vector Selectors [times] m/h/s/d/..</a:t>
+            </a:r>
+          </a:p>
+          <a:p>
+            <a:pPr marL="285750" indent="-285750" fontAlgn="base">
+              <a:spcBef>
+                <a:spcPct val="50000"/>
+              </a:spcBef>
+              <a:spcAft>
+                <a:spcPct val="0"/>
+              </a:spcAft>
+              <a:buClr>
+                <a:srgbClr val="F0AB00"/>
+              </a:buClr>
+              <a:buSzPct val="80000"/>
+              <a:buFont typeface="Wingdings" panose="05000000000000000000" pitchFamily="2" charset="2"/>
+              <a:buChar char="n"/>
+            </a:pPr>
+            <a:r>
+              <a:rPr lang="en-US" altLang="zh-CN" sz="1800" kern="0" dirty="0" err="1">
+                <a:ea typeface="Arial Unicode MS" pitchFamily="34" charset="-128"/>
+                <a:cs typeface="Arial Unicode MS" pitchFamily="34" charset="-128"/>
+              </a:rPr>
+              <a:t>E.g</a:t>
+            </a:r>
+            <a:r>
+              <a:rPr lang="en-US" altLang="zh-CN" sz="1800" kern="0" dirty="0">
+                <a:ea typeface="Arial Unicode MS" pitchFamily="34" charset="-128"/>
+                <a:cs typeface="Arial Unicode MS" pitchFamily="34" charset="-128"/>
+              </a:rPr>
+              <a:t>:</a:t>
+            </a:r>
+          </a:p>
+          <a:p>
+            <a:pPr marL="830138" lvl="1" indent="-285750" fontAlgn="base">
+              <a:spcBef>
+                <a:spcPct val="50000"/>
+              </a:spcBef>
+              <a:spcAft>
+                <a:spcPct val="0"/>
+              </a:spcAft>
+              <a:buClr>
+                <a:srgbClr val="F0AB00"/>
+              </a:buClr>
+              <a:buSzPct val="80000"/>
+              <a:buFont typeface="Wingdings" panose="05000000000000000000" pitchFamily="2" charset="2"/>
+              <a:buChar char="n"/>
+            </a:pPr>
+            <a:r>
+              <a:rPr lang="en-US" altLang="zh-CN" sz="1400" kern="0" dirty="0" err="1">
+                <a:ea typeface="Arial Unicode MS" pitchFamily="34" charset="-128"/>
+                <a:cs typeface="Arial Unicode MS" pitchFamily="34" charset="-128"/>
+              </a:rPr>
+              <a:t>http_requests_total</a:t>
+            </a:r>
+            <a:r>
+              <a:rPr lang="en-US" altLang="zh-CN" sz="1400" kern="0" dirty="0">
+                <a:ea typeface="Arial Unicode MS" pitchFamily="34" charset="-128"/>
+                <a:cs typeface="Arial Unicode MS" pitchFamily="34" charset="-128"/>
+              </a:rPr>
+              <a:t>{job=“</a:t>
+            </a:r>
+            <a:r>
+              <a:rPr lang="en-US" altLang="zh-CN" sz="1400" kern="0" dirty="0" err="1">
+                <a:ea typeface="Arial Unicode MS" pitchFamily="34" charset="-128"/>
+                <a:cs typeface="Arial Unicode MS" pitchFamily="34" charset="-128"/>
+              </a:rPr>
+              <a:t>prometheus</a:t>
+            </a:r>
+            <a:r>
+              <a:rPr lang="en-US" altLang="zh-CN" sz="1400" kern="0" dirty="0">
+                <a:ea typeface="Arial Unicode MS" pitchFamily="34" charset="-128"/>
+                <a:cs typeface="Arial Unicode MS" pitchFamily="34" charset="-128"/>
+              </a:rPr>
+              <a:t>”}[5m],</a:t>
+            </a:r>
+            <a:r>
+              <a:rPr lang="zh-CN" altLang="en-US" sz="1400" kern="0" dirty="0">
+                <a:ea typeface="Arial Unicode MS" pitchFamily="34" charset="-128"/>
+                <a:cs typeface="Arial Unicode MS" pitchFamily="34" charset="-128"/>
+              </a:rPr>
+              <a:t> </a:t>
+            </a:r>
+            <a:r>
+              <a:rPr lang="en-US" altLang="zh-CN" sz="1400" kern="0" dirty="0">
+                <a:ea typeface="Arial Unicode MS" pitchFamily="34" charset="-128"/>
+                <a:cs typeface="Arial Unicode MS" pitchFamily="34" charset="-128"/>
+              </a:rPr>
+              <a:t>which</a:t>
+            </a:r>
+            <a:r>
+              <a:rPr lang="zh-CN" altLang="en-US" sz="1400" kern="0" dirty="0">
+                <a:ea typeface="Arial Unicode MS" pitchFamily="34" charset="-128"/>
+                <a:cs typeface="Arial Unicode MS" pitchFamily="34" charset="-128"/>
+              </a:rPr>
+              <a:t> </a:t>
+            </a:r>
+            <a:r>
+              <a:rPr lang="en-US" altLang="zh-CN" sz="1400" kern="0" dirty="0">
+                <a:ea typeface="Arial Unicode MS" pitchFamily="34" charset="-128"/>
+                <a:cs typeface="Arial Unicode MS" pitchFamily="34" charset="-128"/>
+              </a:rPr>
+              <a:t>means</a:t>
+            </a:r>
+            <a:r>
+              <a:rPr lang="zh-CN" altLang="en-US" sz="1400" kern="0" dirty="0">
+                <a:ea typeface="Arial Unicode MS" pitchFamily="34" charset="-128"/>
+                <a:cs typeface="Arial Unicode MS" pitchFamily="34" charset="-128"/>
+              </a:rPr>
+              <a:t> </a:t>
+            </a:r>
+            <a:r>
+              <a:rPr lang="en-US" altLang="zh-CN" sz="1400" kern="0" dirty="0">
+                <a:ea typeface="Arial Unicode MS" pitchFamily="34" charset="-128"/>
+                <a:cs typeface="Arial Unicode MS" pitchFamily="34" charset="-128"/>
+              </a:rPr>
+              <a:t>we</a:t>
+            </a:r>
+            <a:r>
+              <a:rPr lang="zh-CN" altLang="en-US" sz="1400" kern="0" dirty="0">
+                <a:ea typeface="Arial Unicode MS" pitchFamily="34" charset="-128"/>
+                <a:cs typeface="Arial Unicode MS" pitchFamily="34" charset="-128"/>
+              </a:rPr>
+              <a:t> </a:t>
+            </a:r>
+            <a:r>
+              <a:rPr lang="en-US" altLang="zh-CN" sz="1400" kern="0" dirty="0">
+                <a:ea typeface="Arial Unicode MS" pitchFamily="34" charset="-128"/>
+                <a:cs typeface="Arial Unicode MS" pitchFamily="34" charset="-128"/>
+              </a:rPr>
+              <a:t>select all the values we have recorded within the last 5 minutes for all time series.</a:t>
             </a:r>
           </a:p>
         </p:txBody>
       </p:sp>
       <p:pic>
         <p:nvPicPr>
-          <p:cNvPr id="2" name="图片 1">
+          <p:cNvPr id="8" name="图片 7">
             <a:extLst>
               <a:ext uri="{FF2B5EF4-FFF2-40B4-BE49-F238E27FC236}">
-                <a16:creationId xmlns:a16="http://schemas.microsoft.com/office/drawing/2014/main" id="{87511640-CECA-41D8-8560-392A8048B5EA}"/>
+                <a16:creationId xmlns:a16="http://schemas.microsoft.com/office/drawing/2014/main" id="{E94189CE-7850-4550-AF38-87A62F6253B0}"/>
               </a:ext>
             </a:extLst>
           </p:cNvPr>
@@ -9879,14 +10338,108 @@
         </p:blipFill>
         <p:spPr>
           <a:xfrm>
-            <a:off x="6274409" y="3541976"/>
-            <a:ext cx="5246825" cy="2812024"/>
+            <a:off x="6670566" y="936010"/>
+            <a:ext cx="4684295" cy="2352135"/>
           </a:xfrm>
           <a:prstGeom prst="rect">
             <a:avLst/>
           </a:prstGeom>
         </p:spPr>
       </p:pic>
+      <p:pic>
+        <p:nvPicPr>
+          <p:cNvPr id="10" name="图片 9">
+            <a:extLst>
+              <a:ext uri="{FF2B5EF4-FFF2-40B4-BE49-F238E27FC236}">
+                <a16:creationId xmlns:a16="http://schemas.microsoft.com/office/drawing/2014/main" id="{1AC6B854-743B-4CD2-B1DF-B4B3C39EF960}"/>
+              </a:ext>
+            </a:extLst>
+          </p:cNvPr>
+          <p:cNvPicPr>
+            <a:picLocks noChangeAspect="1"/>
+          </p:cNvPicPr>
+          <p:nvPr/>
+        </p:nvPicPr>
+        <p:blipFill>
+          <a:blip r:embed="rId3"/>
+          <a:stretch>
+            <a:fillRect/>
+          </a:stretch>
+        </p:blipFill>
+        <p:spPr>
+          <a:xfrm>
+            <a:off x="6097588" y="3623584"/>
+            <a:ext cx="5764307" cy="2413843"/>
+          </a:xfrm>
+          <a:prstGeom prst="rect">
+            <a:avLst/>
+          </a:prstGeom>
+        </p:spPr>
+      </p:pic>
+    </p:spTree>
+    <p:extLst>
+      <p:ext uri="{BB962C8B-B14F-4D97-AF65-F5344CB8AC3E}">
+        <p14:creationId xmlns:p14="http://schemas.microsoft.com/office/powerpoint/2010/main" val="1589543211"/>
+      </p:ext>
+    </p:extLst>
+  </p:cSld>
+  <p:clrMapOvr>
+    <a:masterClrMapping/>
+  </p:clrMapOvr>
+</p:sld>
+</file>
+
+<file path=ppt/slides/slide15.xml><?xml version="1.0" encoding="utf-8"?>
+<p:sld xmlns:a="http://schemas.openxmlformats.org/drawingml/2006/main" xmlns:r="http://schemas.openxmlformats.org/officeDocument/2006/relationships" xmlns:p="http://schemas.openxmlformats.org/presentationml/2006/main">
+  <p:cSld>
+    <p:spTree>
+      <p:nvGrpSpPr>
+        <p:cNvPr id="1" name=""/>
+        <p:cNvGrpSpPr/>
+        <p:nvPr/>
+      </p:nvGrpSpPr>
+      <p:grpSpPr>
+        <a:xfrm>
+          <a:off x="0" y="0"/>
+          <a:ext cx="0" cy="0"/>
+          <a:chOff x="0" y="0"/>
+          <a:chExt cx="0" cy="0"/>
+        </a:xfrm>
+      </p:grpSpPr>
+      <p:sp>
+        <p:nvSpPr>
+          <p:cNvPr id="24" name="Title"/>
+          <p:cNvSpPr>
+            <a:spLocks noGrp="1"/>
+          </p:cNvSpPr>
+          <p:nvPr>
+            <p:ph type="title"/>
+          </p:nvPr>
+        </p:nvSpPr>
+        <p:spPr bwMode="gray">
+          <a:xfrm>
+            <a:off x="504001" y="504000"/>
+            <a:ext cx="11186476" cy="646331"/>
+          </a:xfrm>
+        </p:spPr>
+        <p:txBody>
+          <a:bodyPr/>
+          <a:lstStyle/>
+          <a:p>
+            <a:r>
+              <a:rPr lang="en-US" dirty="0"/>
+              <a:t>Grafana</a:t>
+            </a:r>
+            <a:br>
+              <a:rPr lang="en-US" dirty="0"/>
+            </a:br>
+            <a:r>
+              <a:rPr lang="en-US" sz="1800" b="0" dirty="0"/>
+              <a:t>An analytics platform for all metrics</a:t>
+            </a:r>
+          </a:p>
+        </p:txBody>
+      </p:sp>
       <p:pic>
         <p:nvPicPr>
           <p:cNvPr id="5" name="图片 4">
@@ -9902,7 +10455,7 @@
           <p:nvPr/>
         </p:nvPicPr>
         <p:blipFill>
-          <a:blip r:embed="rId3"/>
+          <a:blip r:embed="rId2"/>
           <a:stretch>
             <a:fillRect/>
           </a:stretch>
@@ -10107,6 +10660,36 @@
           </a:p>
         </p:txBody>
       </p:sp>
+      <p:pic>
+        <p:nvPicPr>
+          <p:cNvPr id="3" name="图片 2">
+            <a:extLst>
+              <a:ext uri="{FF2B5EF4-FFF2-40B4-BE49-F238E27FC236}">
+                <a16:creationId xmlns:a16="http://schemas.microsoft.com/office/drawing/2014/main" id="{68410C20-6AD4-47CF-BD3C-FD9E8E94AD6B}"/>
+              </a:ext>
+            </a:extLst>
+          </p:cNvPr>
+          <p:cNvPicPr>
+            <a:picLocks noChangeAspect="1"/>
+          </p:cNvPicPr>
+          <p:nvPr/>
+        </p:nvPicPr>
+        <p:blipFill>
+          <a:blip r:embed="rId3"/>
+          <a:stretch>
+            <a:fillRect/>
+          </a:stretch>
+        </p:blipFill>
+        <p:spPr>
+          <a:xfrm>
+            <a:off x="6097588" y="3757600"/>
+            <a:ext cx="5902387" cy="2146603"/>
+          </a:xfrm>
+          <a:prstGeom prst="rect">
+            <a:avLst/>
+          </a:prstGeom>
+        </p:spPr>
+      </p:pic>
     </p:spTree>
     <p:extLst>
       <p:ext uri="{BB962C8B-B14F-4D97-AF65-F5344CB8AC3E}">
@@ -10120,7 +10703,7 @@
 </p:sld>
 </file>
 
-<file path=ppt/slides/slide15.xml><?xml version="1.0" encoding="utf-8"?>
+<file path=ppt/slides/slide16.xml><?xml version="1.0" encoding="utf-8"?>
 <p:sld xmlns:a="http://schemas.openxmlformats.org/drawingml/2006/main" xmlns:r="http://schemas.openxmlformats.org/officeDocument/2006/relationships" xmlns:p="http://schemas.openxmlformats.org/presentationml/2006/main">
   <p:cSld>
     <p:spTree>
@@ -10280,7 +10863,7 @@
 </p:sld>
 </file>
 
-<file path=ppt/slides/slide16.xml><?xml version="1.0" encoding="utf-8"?>
+<file path=ppt/slides/slide17.xml><?xml version="1.0" encoding="utf-8"?>
 <p:sld xmlns:a="http://schemas.openxmlformats.org/drawingml/2006/main" xmlns:r="http://schemas.openxmlformats.org/officeDocument/2006/relationships" xmlns:p="http://schemas.openxmlformats.org/presentationml/2006/main" show="0">
   <p:cSld>
     <p:spTree>
@@ -13247,21 +13830,6 @@
 </file>
 
 <file path=customXml/item1.xml><?xml version="1.0" encoding="utf-8"?>
-<p:properties xmlns:p="http://schemas.microsoft.com/office/2006/metadata/properties" xmlns:xsi="http://www.w3.org/2001/XMLSchema-instance" xmlns:pc="http://schemas.microsoft.com/office/infopath/2007/PartnerControls">
-  <documentManagement/>
-</p:properties>
-</file>
-
-<file path=customXml/item2.xml><?xml version="1.0" encoding="utf-8"?>
-<?mso-contentType ?>
-<FormTemplates xmlns="http://schemas.microsoft.com/sharepoint/v3/contenttype/forms">
-  <Display>DocumentLibraryForm</Display>
-  <Edit>DocumentLibraryForm</Edit>
-  <New>DocumentLibraryForm</New>
-</FormTemplates>
-</file>
-
-<file path=customXml/item3.xml><?xml version="1.0" encoding="utf-8"?>
 <ct:contentTypeSchema xmlns:ct="http://schemas.microsoft.com/office/2006/metadata/contentType" xmlns:ma="http://schemas.microsoft.com/office/2006/metadata/properties/metaAttributes" ct:_="" ma:_="" ma:contentTypeName="Dokument" ma:contentTypeID="0x010100FE3E8B596245C240B913CA1825D8323E" ma:contentTypeVersion="2" ma:contentTypeDescription="Ein neues Dokument erstellen." ma:contentTypeScope="" ma:versionID="d07af3819a34b45ea68cbd04711a1fcb">
   <xsd:schema xmlns:xsd="http://www.w3.org/2001/XMLSchema" xmlns:xs="http://www.w3.org/2001/XMLSchema" xmlns:p="http://schemas.microsoft.com/office/2006/metadata/properties" xmlns:ns2="cbd03908-ee30-408a-b5f8-8b129e892ff3" targetNamespace="http://schemas.microsoft.com/office/2006/metadata/properties" ma:root="true" ma:fieldsID="1f4ce58f1eea7887a27fb72747442165" ns2:_="">
     <xsd:import namespace="cbd03908-ee30-408a-b5f8-8b129e892ff3"/>
@@ -13393,24 +13961,22 @@
 </ct:contentTypeSchema>
 </file>
 
-<file path=customXml/itemProps1.xml><?xml version="1.0" encoding="utf-8"?>
-<ds:datastoreItem xmlns:ds="http://schemas.openxmlformats.org/officeDocument/2006/customXml" ds:itemID="{B5A61EA0-C632-450D-8732-FBE1B6CC6F01}">
-  <ds:schemaRefs>
-    <ds:schemaRef ds:uri="http://schemas.microsoft.com/office/2006/metadata/properties"/>
-    <ds:schemaRef ds:uri="http://schemas.microsoft.com/office/infopath/2007/PartnerControls"/>
-  </ds:schemaRefs>
-</ds:datastoreItem>
+<file path=customXml/item2.xml><?xml version="1.0" encoding="utf-8"?>
+<?mso-contentType ?>
+<FormTemplates xmlns="http://schemas.microsoft.com/sharepoint/v3/contenttype/forms">
+  <Display>DocumentLibraryForm</Display>
+  <Edit>DocumentLibraryForm</Edit>
+  <New>DocumentLibraryForm</New>
+</FormTemplates>
 </file>
 
-<file path=customXml/itemProps2.xml><?xml version="1.0" encoding="utf-8"?>
-<ds:datastoreItem xmlns:ds="http://schemas.openxmlformats.org/officeDocument/2006/customXml" ds:itemID="{2DA81D51-CB8B-4E00-A304-5985D65D0CEC}">
-  <ds:schemaRefs>
-    <ds:schemaRef ds:uri="http://schemas.microsoft.com/sharepoint/v3/contenttype/forms"/>
-  </ds:schemaRefs>
-</ds:datastoreItem>
+<file path=customXml/item3.xml><?xml version="1.0" encoding="utf-8"?>
+<p:properties xmlns:p="http://schemas.microsoft.com/office/2006/metadata/properties" xmlns:xsi="http://www.w3.org/2001/XMLSchema-instance" xmlns:pc="http://schemas.microsoft.com/office/infopath/2007/PartnerControls">
+  <documentManagement/>
+</p:properties>
 </file>
 
-<file path=customXml/itemProps3.xml><?xml version="1.0" encoding="utf-8"?>
+<file path=customXml/itemProps1.xml><?xml version="1.0" encoding="utf-8"?>
 <ds:datastoreItem xmlns:ds="http://schemas.openxmlformats.org/officeDocument/2006/customXml" ds:itemID="{5BCC86C0-0DD0-4840-A0C1-33A1E70698E1}">
   <ds:schemaRefs>
     <ds:schemaRef ds:uri="http://schemas.microsoft.com/office/2006/metadata/contentType"/>
@@ -13426,4 +13992,21 @@
     <ds:schemaRef ds:uri="http://schemas.microsoft.com/internal/obd"/>
   </ds:schemaRefs>
 </ds:datastoreItem>
+</file>
+
+<file path=customXml/itemProps2.xml><?xml version="1.0" encoding="utf-8"?>
+<ds:datastoreItem xmlns:ds="http://schemas.openxmlformats.org/officeDocument/2006/customXml" ds:itemID="{2DA81D51-CB8B-4E00-A304-5985D65D0CEC}">
+  <ds:schemaRefs>
+    <ds:schemaRef ds:uri="http://schemas.microsoft.com/sharepoint/v3/contenttype/forms"/>
+  </ds:schemaRefs>
+</ds:datastoreItem>
+</file>
+
+<file path=customXml/itemProps3.xml><?xml version="1.0" encoding="utf-8"?>
+<ds:datastoreItem xmlns:ds="http://schemas.openxmlformats.org/officeDocument/2006/customXml" ds:itemID="{B5A61EA0-C632-450D-8732-FBE1B6CC6F01}">
+  <ds:schemaRefs>
+    <ds:schemaRef ds:uri="http://schemas.microsoft.com/office/2006/metadata/properties"/>
+    <ds:schemaRef ds:uri="http://schemas.microsoft.com/office/infopath/2007/PartnerControls"/>
+  </ds:schemaRefs>
+</ds:datastoreItem>
 </file>
--- a/NoSQL/The_Survey_On_TSDB.pptx
+++ b/NoSQL/The_Survey_On_TSDB.pptx
@@ -11491,7 +11491,7 @@
         </p:blipFill>
         <p:spPr>
           <a:xfrm>
-            <a:off x="5954224" y="2358524"/>
+            <a:off x="5954223" y="2358523"/>
             <a:ext cx="6245373" cy="2140952"/>
           </a:xfrm>
           <a:prstGeom prst="rect">
@@ -11597,7 +11597,7 @@
         </p:nvSpPr>
         <p:spPr>
           <a:xfrm>
-            <a:off x="7503605" y="1424043"/>
+            <a:off x="7503604" y="1818927"/>
             <a:ext cx="3146612" cy="276999"/>
           </a:xfrm>
           <a:prstGeom prst="rect">
@@ -13830,6 +13830,15 @@
 </file>
 
 <file path=customXml/item1.xml><?xml version="1.0" encoding="utf-8"?>
+<?mso-contentType ?>
+<FormTemplates xmlns="http://schemas.microsoft.com/sharepoint/v3/contenttype/forms">
+  <Display>DocumentLibraryForm</Display>
+  <Edit>DocumentLibraryForm</Edit>
+  <New>DocumentLibraryForm</New>
+</FormTemplates>
+</file>
+
+<file path=customXml/item2.xml><?xml version="1.0" encoding="utf-8"?>
 <ct:contentTypeSchema xmlns:ct="http://schemas.microsoft.com/office/2006/metadata/contentType" xmlns:ma="http://schemas.microsoft.com/office/2006/metadata/properties/metaAttributes" ct:_="" ma:_="" ma:contentTypeName="Dokument" ma:contentTypeID="0x010100FE3E8B596245C240B913CA1825D8323E" ma:contentTypeVersion="2" ma:contentTypeDescription="Ein neues Dokument erstellen." ma:contentTypeScope="" ma:versionID="d07af3819a34b45ea68cbd04711a1fcb">
   <xsd:schema xmlns:xsd="http://www.w3.org/2001/XMLSchema" xmlns:xs="http://www.w3.org/2001/XMLSchema" xmlns:p="http://schemas.microsoft.com/office/2006/metadata/properties" xmlns:ns2="cbd03908-ee30-408a-b5f8-8b129e892ff3" targetNamespace="http://schemas.microsoft.com/office/2006/metadata/properties" ma:root="true" ma:fieldsID="1f4ce58f1eea7887a27fb72747442165" ns2:_="">
     <xsd:import namespace="cbd03908-ee30-408a-b5f8-8b129e892ff3"/>
@@ -13961,15 +13970,6 @@
 </ct:contentTypeSchema>
 </file>
 
-<file path=customXml/item2.xml><?xml version="1.0" encoding="utf-8"?>
-<?mso-contentType ?>
-<FormTemplates xmlns="http://schemas.microsoft.com/sharepoint/v3/contenttype/forms">
-  <Display>DocumentLibraryForm</Display>
-  <Edit>DocumentLibraryForm</Edit>
-  <New>DocumentLibraryForm</New>
-</FormTemplates>
-</file>
-
 <file path=customXml/item3.xml><?xml version="1.0" encoding="utf-8"?>
 <p:properties xmlns:p="http://schemas.microsoft.com/office/2006/metadata/properties" xmlns:xsi="http://www.w3.org/2001/XMLSchema-instance" xmlns:pc="http://schemas.microsoft.com/office/infopath/2007/PartnerControls">
   <documentManagement/>
@@ -13977,6 +13977,14 @@
 </file>
 
 <file path=customXml/itemProps1.xml><?xml version="1.0" encoding="utf-8"?>
+<ds:datastoreItem xmlns:ds="http://schemas.openxmlformats.org/officeDocument/2006/customXml" ds:itemID="{2DA81D51-CB8B-4E00-A304-5985D65D0CEC}">
+  <ds:schemaRefs>
+    <ds:schemaRef ds:uri="http://schemas.microsoft.com/sharepoint/v3/contenttype/forms"/>
+  </ds:schemaRefs>
+</ds:datastoreItem>
+</file>
+
+<file path=customXml/itemProps2.xml><?xml version="1.0" encoding="utf-8"?>
 <ds:datastoreItem xmlns:ds="http://schemas.openxmlformats.org/officeDocument/2006/customXml" ds:itemID="{5BCC86C0-0DD0-4840-A0C1-33A1E70698E1}">
   <ds:schemaRefs>
     <ds:schemaRef ds:uri="http://schemas.microsoft.com/office/2006/metadata/contentType"/>
@@ -13994,14 +14002,6 @@
 </ds:datastoreItem>
 </file>
 
-<file path=customXml/itemProps2.xml><?xml version="1.0" encoding="utf-8"?>
-<ds:datastoreItem xmlns:ds="http://schemas.openxmlformats.org/officeDocument/2006/customXml" ds:itemID="{2DA81D51-CB8B-4E00-A304-5985D65D0CEC}">
-  <ds:schemaRefs>
-    <ds:schemaRef ds:uri="http://schemas.microsoft.com/sharepoint/v3/contenttype/forms"/>
-  </ds:schemaRefs>
-</ds:datastoreItem>
-</file>
-
 <file path=customXml/itemProps3.xml><?xml version="1.0" encoding="utf-8"?>
 <ds:datastoreItem xmlns:ds="http://schemas.openxmlformats.org/officeDocument/2006/customXml" ds:itemID="{B5A61EA0-C632-450D-8732-FBE1B6CC6F01}">
   <ds:schemaRefs>
